--- a/admin/workshop.pptx
+++ b/admin/workshop.pptx
@@ -6095,14 +6095,97 @@
       </p:grpSpPr>
       <p:grpSp>
         <p:nvGrpSpPr>
+          <p:cNvPr id="32" name="Group 31"/>
+          <p:cNvGrpSpPr/>
+          <p:nvPr/>
+        </p:nvGrpSpPr>
+        <p:grpSpPr>
+          <a:xfrm>
+            <a:off x="186847" y="3695759"/>
+            <a:ext cx="3145622" cy="3041204"/>
+            <a:chOff x="4090063" y="3881558"/>
+            <a:chExt cx="609511" cy="7081062"/>
+          </a:xfrm>
+        </p:grpSpPr>
+        <p:sp>
+          <p:nvSpPr>
+            <p:cNvPr id="33" name="Rectangle 32"/>
+            <p:cNvSpPr/>
+            <p:nvPr/>
+          </p:nvSpPr>
+          <p:spPr>
+            <a:xfrm>
+              <a:off x="4090064" y="3881558"/>
+              <a:ext cx="609510" cy="7081062"/>
+            </a:xfrm>
+            <a:prstGeom prst="rect">
+              <a:avLst/>
+            </a:prstGeom>
+          </p:spPr>
+          <p:style>
+            <a:lnRef idx="2">
+              <a:schemeClr val="dk1"/>
+            </a:lnRef>
+            <a:fillRef idx="1">
+              <a:schemeClr val="lt1"/>
+            </a:fillRef>
+            <a:effectRef idx="0">
+              <a:schemeClr val="dk1"/>
+            </a:effectRef>
+            <a:fontRef idx="minor">
+              <a:schemeClr val="dk1"/>
+            </a:fontRef>
+          </p:style>
+          <p:txBody>
+            <a:bodyPr rtlCol="0" anchor="ctr"/>
+            <a:lstStyle/>
+            <a:p>
+              <a:pPr algn="ctr"/>
+              <a:endParaRPr lang="en-US" dirty="0"/>
+            </a:p>
+          </p:txBody>
+        </p:sp>
+        <p:sp>
+          <p:nvSpPr>
+            <p:cNvPr id="34" name="TextBox 33"/>
+            <p:cNvSpPr txBox="1"/>
+            <p:nvPr/>
+          </p:nvSpPr>
+          <p:spPr>
+            <a:xfrm>
+              <a:off x="4090063" y="3915555"/>
+              <a:ext cx="297694" cy="859943"/>
+            </a:xfrm>
+            <a:prstGeom prst="rect">
+              <a:avLst/>
+            </a:prstGeom>
+            <a:noFill/>
+          </p:spPr>
+          <p:txBody>
+            <a:bodyPr wrap="square" rtlCol="0">
+              <a:spAutoFit/>
+            </a:bodyPr>
+            <a:lstStyle/>
+            <a:p>
+              <a:r>
+                <a:rPr lang="en-US" smtClean="0"/>
+                <a:t>iron-selector</a:t>
+              </a:r>
+              <a:endParaRPr lang="en-US" dirty="0"/>
+            </a:p>
+          </p:txBody>
+        </p:sp>
+      </p:grpSp>
+      <p:grpSp>
+        <p:nvGrpSpPr>
           <p:cNvPr id="20" name="Group 19"/>
           <p:cNvGrpSpPr/>
           <p:nvPr/>
         </p:nvGrpSpPr>
         <p:grpSpPr>
           <a:xfrm>
-            <a:off x="252671" y="1026159"/>
-            <a:ext cx="3145622" cy="3033661"/>
+            <a:off x="252671" y="1026160"/>
+            <a:ext cx="3145622" cy="2546280"/>
             <a:chOff x="4090063" y="3881558"/>
             <a:chExt cx="609511" cy="5928693"/>
           </a:xfrm>
@@ -6602,7 +6685,7 @@
         </p:nvSpPr>
         <p:spPr>
           <a:xfrm>
-            <a:off x="569838" y="4242152"/>
+            <a:off x="569838" y="4136484"/>
             <a:ext cx="2438400" cy="701316"/>
           </a:xfrm>
           <a:prstGeom prst="rect">
@@ -6644,7 +6727,7 @@
         </p:nvSpPr>
         <p:spPr>
           <a:xfrm>
-            <a:off x="569838" y="5125799"/>
+            <a:off x="569838" y="5020131"/>
             <a:ext cx="2438400" cy="701316"/>
           </a:xfrm>
           <a:prstGeom prst="rect">
@@ -6778,7 +6861,7 @@
         </p:nvSpPr>
         <p:spPr>
           <a:xfrm>
-            <a:off x="554382" y="6009446"/>
+            <a:off x="554382" y="5903778"/>
             <a:ext cx="2438400" cy="701316"/>
           </a:xfrm>
           <a:prstGeom prst="rect">

--- a/admin/workshop.pptx
+++ b/admin/workshop.pptx
@@ -6168,7 +6168,7 @@
             <a:lstStyle/>
             <a:p>
               <a:r>
-                <a:rPr lang="en-US" smtClean="0"/>
+                <a:rPr lang="en-US" dirty="0" smtClean="0"/>
                 <a:t>iron-selector</a:t>
               </a:r>
               <a:endParaRPr lang="en-US" dirty="0"/>
@@ -6769,13 +6769,13 @@
         </p:nvSpPr>
         <p:spPr>
           <a:xfrm>
-            <a:off x="3171231" y="4075059"/>
-            <a:ext cx="2364192" cy="824167"/>
+            <a:off x="2126303" y="3871747"/>
+            <a:ext cx="1136609" cy="378976"/>
           </a:xfrm>
           <a:prstGeom prst="wedgeRoundRectCallout">
             <a:avLst>
-              <a:gd name="adj1" fmla="val -63164"/>
-              <a:gd name="adj2" fmla="val 25861"/>
+              <a:gd name="adj1" fmla="val -19363"/>
+              <a:gd name="adj2" fmla="val 76799"/>
               <a:gd name="adj3" fmla="val 16667"/>
             </a:avLst>
           </a:prstGeom>
@@ -6800,10 +6800,10 @@
           <a:p>
             <a:pPr algn="ctr"/>
             <a:r>
-              <a:rPr lang="en-US" dirty="0" smtClean="0"/>
+              <a:rPr lang="en-US" sz="1200" dirty="0" smtClean="0"/>
               <a:t>content/home/banner</a:t>
             </a:r>
-            <a:endParaRPr lang="en-US" dirty="0"/>
+            <a:endParaRPr lang="en-US" sz="1200" dirty="0"/>
           </a:p>
         </p:txBody>
       </p:sp>
@@ -6815,13 +6815,13 @@
         </p:nvSpPr>
         <p:spPr>
           <a:xfrm>
-            <a:off x="3146950" y="4943468"/>
-            <a:ext cx="1943209" cy="824167"/>
+            <a:off x="1988493" y="4904926"/>
+            <a:ext cx="1282810" cy="227971"/>
           </a:xfrm>
           <a:prstGeom prst="wedgeRoundRectCallout">
             <a:avLst>
-              <a:gd name="adj1" fmla="val -73680"/>
-              <a:gd name="adj2" fmla="val 40654"/>
+              <a:gd name="adj1" fmla="val 3938"/>
+              <a:gd name="adj2" fmla="val 107505"/>
               <a:gd name="adj3" fmla="val 16667"/>
             </a:avLst>
           </a:prstGeom>
@@ -6846,10 +6846,10 @@
           <a:p>
             <a:pPr algn="ctr"/>
             <a:r>
-              <a:rPr lang="en-US" dirty="0" smtClean="0"/>
+              <a:rPr lang="en-US" sz="1200" dirty="0" smtClean="0"/>
               <a:t>content/member</a:t>
             </a:r>
-            <a:endParaRPr lang="en-US" dirty="0"/>
+            <a:endParaRPr lang="en-US" sz="1200" dirty="0"/>
           </a:p>
         </p:txBody>
       </p:sp>
@@ -6903,13 +6903,13 @@
         </p:nvSpPr>
         <p:spPr>
           <a:xfrm>
-            <a:off x="3172998" y="5840215"/>
-            <a:ext cx="1943209" cy="824167"/>
+            <a:off x="2062477" y="5851551"/>
+            <a:ext cx="1134842" cy="166758"/>
           </a:xfrm>
           <a:prstGeom prst="wedgeRoundRectCallout">
             <a:avLst>
-              <a:gd name="adj1" fmla="val -73680"/>
-              <a:gd name="adj2" fmla="val 40654"/>
+              <a:gd name="adj1" fmla="val -27126"/>
+              <a:gd name="adj2" fmla="val 95488"/>
               <a:gd name="adj3" fmla="val 16667"/>
             </a:avLst>
           </a:prstGeom>
@@ -6934,10 +6934,10 @@
           <a:p>
             <a:pPr algn="ctr"/>
             <a:r>
-              <a:rPr lang="en-US" dirty="0" smtClean="0"/>
+              <a:rPr lang="en-US" sz="1200" dirty="0" smtClean="0"/>
               <a:t>content/locals</a:t>
             </a:r>
-            <a:endParaRPr lang="en-US" dirty="0"/>
+            <a:endParaRPr lang="en-US" sz="1200" dirty="0"/>
           </a:p>
         </p:txBody>
       </p:sp>
@@ -6949,13 +6949,13 @@
         </p:nvSpPr>
         <p:spPr>
           <a:xfrm>
-            <a:off x="1020854" y="94664"/>
-            <a:ext cx="1574800" cy="824167"/>
+            <a:off x="1176785" y="664092"/>
+            <a:ext cx="1224506" cy="212841"/>
           </a:xfrm>
           <a:prstGeom prst="wedgeRoundRectCallout">
             <a:avLst>
               <a:gd name="adj1" fmla="val -14325"/>
-              <a:gd name="adj2" fmla="val 83801"/>
+              <a:gd name="adj2" fmla="val 145857"/>
               <a:gd name="adj3" fmla="val 16667"/>
             </a:avLst>
           </a:prstGeom>
@@ -6980,10 +6980,10 @@
           <a:p>
             <a:pPr algn="ctr"/>
             <a:r>
-              <a:rPr lang="en-US" dirty="0" smtClean="0"/>
+              <a:rPr lang="en-US" sz="1200" dirty="0" smtClean="0"/>
               <a:t>content/blog</a:t>
             </a:r>
-            <a:endParaRPr lang="en-US" dirty="0"/>
+            <a:endParaRPr lang="en-US" sz="1200" dirty="0"/>
           </a:p>
         </p:txBody>
       </p:sp>
